--- a/Презентация.pptx
+++ b/Презентация.pptx
@@ -218,7 +218,7 @@
           <a:p>
             <a:fld id="{1B547F9D-564B-470C-9EEE-CCDCC7B09ABE}" type="datetimeFigureOut">
               <a:rPr lang="ru-RU" smtClean="0"/>
-              <a:t>28.12.2023</a:t>
+              <a:t>18.01.2024</a:t>
             </a:fld>
             <a:endParaRPr lang="ru-RU"/>
           </a:p>
@@ -5141,7 +5141,7 @@
         </p:spPr>
         <p:txBody>
           <a:bodyPr vert="horz" lIns="91440" tIns="45720" rIns="91440" bIns="45720" rtlCol="0" anchor="ctr">
-            <a:normAutofit fontScale="92500" lnSpcReduction="10000"/>
+            <a:normAutofit fontScale="92500"/>
           </a:bodyPr>
           <a:lstStyle>
             <a:lvl1pPr marL="228600" indent="-228600" algn="l" defTabSz="914400" rtl="0" eaLnBrk="1" latinLnBrk="0" hangingPunct="1">
@@ -5316,7 +5316,7 @@
               <a:buAutoNum type="arabicPeriod"/>
             </a:pPr>
             <a:r>
-              <a:rPr lang="ru-RU" sz="2400" b="1" dirty="0">
+              <a:rPr lang="ru-RU" sz="1600" b="1" dirty="0">
                 <a:solidFill>
                   <a:schemeClr val="bg1"/>
                 </a:solidFill>
@@ -5333,7 +5333,7 @@
               <a:buAutoNum type="arabicPeriod"/>
             </a:pPr>
             <a:r>
-              <a:rPr lang="ru-RU" sz="2400" b="1" dirty="0">
+              <a:rPr lang="ru-RU" sz="1600" b="1" dirty="0">
                 <a:solidFill>
                   <a:schemeClr val="bg1"/>
                 </a:solidFill>
@@ -5341,7 +5341,7 @@
               <a:t>Частицы искр из главного меню для своего движения используют формулу гармонических колебаний, меняя амплитуду и начальную фазу, когда </a:t>
             </a:r>
             <a:r>
-              <a:rPr lang="en-US" sz="2400" b="1" dirty="0">
+              <a:rPr lang="en-US" sz="1600" b="1" dirty="0">
                 <a:solidFill>
                   <a:schemeClr val="bg1"/>
                 </a:solidFill>
@@ -5349,12 +5349,29 @@
               <a:t>X </a:t>
             </a:r>
             <a:r>
-              <a:rPr lang="ru-RU" sz="2400" b="1" dirty="0">
+              <a:rPr lang="ru-RU" sz="1600" b="1" dirty="0">
                 <a:solidFill>
                   <a:schemeClr val="bg1"/>
                 </a:solidFill>
               </a:rPr>
               <a:t>примерно равен нулю</a:t>
+            </a:r>
+          </a:p>
+          <a:p>
+            <a:pPr marL="457200" indent="-457200">
+              <a:lnSpc>
+                <a:spcPct val="150000"/>
+              </a:lnSpc>
+              <a:buFont typeface="+mj-lt"/>
+              <a:buAutoNum type="arabicPeriod"/>
+            </a:pPr>
+            <a:r>
+              <a:rPr lang="ru-RU" sz="1600" b="1" dirty="0">
+                <a:solidFill>
+                  <a:schemeClr val="bg1"/>
+                </a:solidFill>
+              </a:rPr>
+              <a:t>Достаточно легко загружать свои карты, поскольку алгоритм генерирует коллизии, используя изображение-маску</a:t>
             </a:r>
           </a:p>
         </p:txBody>
